--- a/IoT_Protocols.pptx
+++ b/IoT_Protocols.pptx
@@ -14,8 +14,9 @@
     <p:sldId id="261" r:id="rId8"/>
     <p:sldId id="262" r:id="rId9"/>
     <p:sldId id="263" r:id="rId10"/>
-    <p:sldId id="264" r:id="rId11"/>
-    <p:sldId id="266" r:id="rId12"/>
+    <p:sldId id="266" r:id="rId11"/>
+    <p:sldId id="267" r:id="rId12"/>
+    <p:sldId id="268" r:id="rId13"/>
   </p:sldIdLst>
   <p:sldSz cx="12192000" cy="6858000"/>
   <p:notesSz cx="6858000" cy="9144000"/>
@@ -114,1747 +115,12 @@
       </a:defRPr>
     </a:lvl9pPr>
   </p:defaultTextStyle>
+  <p:extLst>
+    <p:ext uri="{EFAFB233-063F-42B5-8137-9DF3F51BA10A}">
+      <p15:sldGuideLst xmlns:p15="http://schemas.microsoft.com/office/powerpoint/2012/main"/>
+    </p:ext>
+  </p:extLst>
 </p:presentation>
-</file>
-
-<file path=ppt/charts/chart1.xml><?xml version="1.0" encoding="utf-8"?>
-<c:chartSpace xmlns:c="http://schemas.openxmlformats.org/drawingml/2006/chart" xmlns:a="http://schemas.openxmlformats.org/drawingml/2006/main" xmlns:r="http://schemas.openxmlformats.org/officeDocument/2006/relationships" xmlns:c16r2="http://schemas.microsoft.com/office/drawing/2015/06/chart">
-  <c:date1904 val="0"/>
-  <c:lang val="de-DE"/>
-  <c:roundedCorners val="0"/>
-  <mc:AlternateContent xmlns:mc="http://schemas.openxmlformats.org/markup-compatibility/2006">
-    <mc:Choice xmlns:c14="http://schemas.microsoft.com/office/drawing/2007/8/2/chart" Requires="c14">
-      <c14:style val="102"/>
-    </mc:Choice>
-    <mc:Fallback>
-      <c:style val="2"/>
-    </mc:Fallback>
-  </mc:AlternateContent>
-  <c:chart>
-    <c:title>
-      <c:tx>
-        <c:rich>
-          <a:bodyPr/>
-          <a:lstStyle/>
-          <a:p>
-            <a:pPr>
-              <a:defRPr sz="1300" b="0"/>
-            </a:pPr>
-            <a:r>
-              <a:rPr lang="de-AT"/>
-              <a:t>Overall network traffic</a:t>
-            </a:r>
-          </a:p>
-        </c:rich>
-      </c:tx>
-      <c:overlay val="0"/>
-    </c:title>
-    <c:autoTitleDeleted val="0"/>
-    <c:plotArea>
-      <c:layout/>
-      <c:barChart>
-        <c:barDir val="col"/>
-        <c:grouping val="clustered"/>
-        <c:varyColors val="0"/>
-        <c:ser>
-          <c:idx val="0"/>
-          <c:order val="0"/>
-          <c:tx>
-            <c:strRef>
-              <c:f>'Compare Protocols'!$B$52</c:f>
-              <c:strCache>
-                <c:ptCount val="1"/>
-                <c:pt idx="0">
-                  <c:v>HTTP</c:v>
-                </c:pt>
-              </c:strCache>
-            </c:strRef>
-          </c:tx>
-          <c:spPr>
-            <a:solidFill>
-              <a:srgbClr val="004586"/>
-            </a:solidFill>
-            <a:ln>
-              <a:noFill/>
-            </a:ln>
-          </c:spPr>
-          <c:invertIfNegative val="0"/>
-          <c:cat>
-            <c:strRef>
-              <c:f>'Compare Protocols'!$A$53:$A$57</c:f>
-              <c:strCache>
-                <c:ptCount val="5"/>
-                <c:pt idx="0">
-                  <c:v>Open Connection</c:v>
-                </c:pt>
-                <c:pt idx="1">
-                  <c:v>Publish C→S</c:v>
-                </c:pt>
-                <c:pt idx="2">
-                  <c:v>Publish S→C</c:v>
-                </c:pt>
-                <c:pt idx="3">
-                  <c:v>Subscribe</c:v>
-                </c:pt>
-                <c:pt idx="4">
-                  <c:v>Close Connection</c:v>
-                </c:pt>
-              </c:strCache>
-            </c:strRef>
-          </c:cat>
-          <c:val>
-            <c:numRef>
-              <c:f>'Compare Protocols'!$B$53:$B$57</c:f>
-              <c:numCache>
-                <c:formatCode>General</c:formatCode>
-                <c:ptCount val="5"/>
-                <c:pt idx="0">
-                  <c:v>196</c:v>
-                </c:pt>
-                <c:pt idx="1">
-                  <c:v>1807</c:v>
-                </c:pt>
-                <c:pt idx="2">
-                  <c:v>0</c:v>
-                </c:pt>
-                <c:pt idx="3">
-                  <c:v>0</c:v>
-                </c:pt>
-                <c:pt idx="4">
-                  <c:v>180</c:v>
-                </c:pt>
-              </c:numCache>
-            </c:numRef>
-          </c:val>
-          <c:extLst>
-            <c:ext xmlns:c16="http://schemas.microsoft.com/office/drawing/2014/chart" uri="{C3380CC4-5D6E-409C-BE32-E72D297353CC}">
-              <c16:uniqueId val="{00000000-8917-459A-AF5A-6C146A50ED11}"/>
-            </c:ext>
-          </c:extLst>
-        </c:ser>
-        <c:ser>
-          <c:idx val="1"/>
-          <c:order val="1"/>
-          <c:tx>
-            <c:strRef>
-              <c:f>'Compare Protocols'!$C$52</c:f>
-              <c:strCache>
-                <c:ptCount val="1"/>
-                <c:pt idx="0">
-                  <c:v>MQTT</c:v>
-                </c:pt>
-              </c:strCache>
-            </c:strRef>
-          </c:tx>
-          <c:spPr>
-            <a:solidFill>
-              <a:srgbClr val="FF420E"/>
-            </a:solidFill>
-            <a:ln>
-              <a:noFill/>
-            </a:ln>
-          </c:spPr>
-          <c:invertIfNegative val="0"/>
-          <c:cat>
-            <c:strRef>
-              <c:f>'Compare Protocols'!$A$53:$A$57</c:f>
-              <c:strCache>
-                <c:ptCount val="5"/>
-                <c:pt idx="0">
-                  <c:v>Open Connection</c:v>
-                </c:pt>
-                <c:pt idx="1">
-                  <c:v>Publish C→S</c:v>
-                </c:pt>
-                <c:pt idx="2">
-                  <c:v>Publish S→C</c:v>
-                </c:pt>
-                <c:pt idx="3">
-                  <c:v>Subscribe</c:v>
-                </c:pt>
-                <c:pt idx="4">
-                  <c:v>Close Connection</c:v>
-                </c:pt>
-              </c:strCache>
-            </c:strRef>
-          </c:cat>
-          <c:val>
-            <c:numRef>
-              <c:f>'Compare Protocols'!$C$53:$C$57</c:f>
-              <c:numCache>
-                <c:formatCode>General</c:formatCode>
-                <c:ptCount val="5"/>
-                <c:pt idx="0">
-                  <c:v>506</c:v>
-                </c:pt>
-                <c:pt idx="1">
-                  <c:v>381</c:v>
-                </c:pt>
-                <c:pt idx="2">
-                  <c:v>381</c:v>
-                </c:pt>
-                <c:pt idx="3">
-                  <c:v>202</c:v>
-                </c:pt>
-                <c:pt idx="4">
-                  <c:v>272</c:v>
-                </c:pt>
-              </c:numCache>
-            </c:numRef>
-          </c:val>
-          <c:extLst>
-            <c:ext xmlns:c16="http://schemas.microsoft.com/office/drawing/2014/chart" uri="{C3380CC4-5D6E-409C-BE32-E72D297353CC}">
-              <c16:uniqueId val="{00000001-8917-459A-AF5A-6C146A50ED11}"/>
-            </c:ext>
-          </c:extLst>
-        </c:ser>
-        <c:ser>
-          <c:idx val="2"/>
-          <c:order val="2"/>
-          <c:tx>
-            <c:strRef>
-              <c:f>'Compare Protocols'!$D$52</c:f>
-              <c:strCache>
-                <c:ptCount val="1"/>
-                <c:pt idx="0">
-                  <c:v>WebSockets</c:v>
-                </c:pt>
-              </c:strCache>
-            </c:strRef>
-          </c:tx>
-          <c:spPr>
-            <a:solidFill>
-              <a:srgbClr val="FFD320"/>
-            </a:solidFill>
-            <a:ln>
-              <a:noFill/>
-            </a:ln>
-          </c:spPr>
-          <c:invertIfNegative val="0"/>
-          <c:cat>
-            <c:strRef>
-              <c:f>'Compare Protocols'!$A$53:$A$57</c:f>
-              <c:strCache>
-                <c:ptCount val="5"/>
-                <c:pt idx="0">
-                  <c:v>Open Connection</c:v>
-                </c:pt>
-                <c:pt idx="1">
-                  <c:v>Publish C→S</c:v>
-                </c:pt>
-                <c:pt idx="2">
-                  <c:v>Publish S→C</c:v>
-                </c:pt>
-                <c:pt idx="3">
-                  <c:v>Subscribe</c:v>
-                </c:pt>
-                <c:pt idx="4">
-                  <c:v>Close Connection</c:v>
-                </c:pt>
-              </c:strCache>
-            </c:strRef>
-          </c:cat>
-          <c:val>
-            <c:numRef>
-              <c:f>'Compare Protocols'!$D$53:$D$57</c:f>
-              <c:numCache>
-                <c:formatCode>General</c:formatCode>
-                <c:ptCount val="5"/>
-                <c:pt idx="0">
-                  <c:v>1148</c:v>
-                </c:pt>
-                <c:pt idx="1">
-                  <c:v>370</c:v>
-                </c:pt>
-                <c:pt idx="2">
-                  <c:v>171</c:v>
-                </c:pt>
-                <c:pt idx="3">
-                  <c:v>0</c:v>
-                </c:pt>
-                <c:pt idx="4">
-                  <c:v>356</c:v>
-                </c:pt>
-              </c:numCache>
-            </c:numRef>
-          </c:val>
-          <c:extLst>
-            <c:ext xmlns:c16="http://schemas.microsoft.com/office/drawing/2014/chart" uri="{C3380CC4-5D6E-409C-BE32-E72D297353CC}">
-              <c16:uniqueId val="{00000002-8917-459A-AF5A-6C146A50ED11}"/>
-            </c:ext>
-          </c:extLst>
-        </c:ser>
-        <c:ser>
-          <c:idx val="3"/>
-          <c:order val="3"/>
-          <c:tx>
-            <c:strRef>
-              <c:f>'Compare Protocols'!$E$52</c:f>
-              <c:strCache>
-                <c:ptCount val="1"/>
-                <c:pt idx="0">
-                  <c:v>STOMP</c:v>
-                </c:pt>
-              </c:strCache>
-            </c:strRef>
-          </c:tx>
-          <c:spPr>
-            <a:solidFill>
-              <a:srgbClr val="579D1C"/>
-            </a:solidFill>
-            <a:ln>
-              <a:noFill/>
-            </a:ln>
-          </c:spPr>
-          <c:invertIfNegative val="0"/>
-          <c:cat>
-            <c:strRef>
-              <c:f>'Compare Protocols'!$A$53:$A$57</c:f>
-              <c:strCache>
-                <c:ptCount val="5"/>
-                <c:pt idx="0">
-                  <c:v>Open Connection</c:v>
-                </c:pt>
-                <c:pt idx="1">
-                  <c:v>Publish C→S</c:v>
-                </c:pt>
-                <c:pt idx="2">
-                  <c:v>Publish S→C</c:v>
-                </c:pt>
-                <c:pt idx="3">
-                  <c:v>Subscribe</c:v>
-                </c:pt>
-                <c:pt idx="4">
-                  <c:v>Close Connection</c:v>
-                </c:pt>
-              </c:strCache>
-            </c:strRef>
-          </c:cat>
-          <c:val>
-            <c:numRef>
-              <c:f>'Compare Protocols'!$E$53:$E$57</c:f>
-              <c:numCache>
-                <c:formatCode>General</c:formatCode>
-                <c:ptCount val="5"/>
-                <c:pt idx="0">
-                  <c:v>797</c:v>
-                </c:pt>
-                <c:pt idx="1">
-                  <c:v>424</c:v>
-                </c:pt>
-                <c:pt idx="2">
-                  <c:v>532</c:v>
-                </c:pt>
-                <c:pt idx="3">
-                  <c:v>240</c:v>
-                </c:pt>
-                <c:pt idx="4">
-                  <c:v>747</c:v>
-                </c:pt>
-              </c:numCache>
-            </c:numRef>
-          </c:val>
-          <c:extLst>
-            <c:ext xmlns:c16="http://schemas.microsoft.com/office/drawing/2014/chart" uri="{C3380CC4-5D6E-409C-BE32-E72D297353CC}">
-              <c16:uniqueId val="{00000003-8917-459A-AF5A-6C146A50ED11}"/>
-            </c:ext>
-          </c:extLst>
-        </c:ser>
-        <c:ser>
-          <c:idx val="4"/>
-          <c:order val="4"/>
-          <c:tx>
-            <c:strRef>
-              <c:f>'Compare Protocols'!$F$52</c:f>
-              <c:strCache>
-                <c:ptCount val="1"/>
-                <c:pt idx="0">
-                  <c:v>CoAP</c:v>
-                </c:pt>
-              </c:strCache>
-            </c:strRef>
-          </c:tx>
-          <c:spPr>
-            <a:solidFill>
-              <a:srgbClr val="7E0021"/>
-            </a:solidFill>
-            <a:ln>
-              <a:noFill/>
-            </a:ln>
-          </c:spPr>
-          <c:invertIfNegative val="0"/>
-          <c:cat>
-            <c:strRef>
-              <c:f>'Compare Protocols'!$A$53:$A$57</c:f>
-              <c:strCache>
-                <c:ptCount val="5"/>
-                <c:pt idx="0">
-                  <c:v>Open Connection</c:v>
-                </c:pt>
-                <c:pt idx="1">
-                  <c:v>Publish C→S</c:v>
-                </c:pt>
-                <c:pt idx="2">
-                  <c:v>Publish S→C</c:v>
-                </c:pt>
-                <c:pt idx="3">
-                  <c:v>Subscribe</c:v>
-                </c:pt>
-                <c:pt idx="4">
-                  <c:v>Close Connection</c:v>
-                </c:pt>
-              </c:strCache>
-            </c:strRef>
-          </c:cat>
-          <c:val>
-            <c:numRef>
-              <c:f>'Compare Protocols'!$F$53:$F$57</c:f>
-              <c:numCache>
-                <c:formatCode>General</c:formatCode>
-                <c:ptCount val="5"/>
-                <c:pt idx="0">
-                  <c:v>0</c:v>
-                </c:pt>
-                <c:pt idx="1">
-                  <c:v>258</c:v>
-                </c:pt>
-                <c:pt idx="2">
-                  <c:v>245</c:v>
-                </c:pt>
-                <c:pt idx="3">
-                  <c:v>0</c:v>
-                </c:pt>
-                <c:pt idx="4">
-                  <c:v>0</c:v>
-                </c:pt>
-              </c:numCache>
-            </c:numRef>
-          </c:val>
-          <c:extLst>
-            <c:ext xmlns:c16="http://schemas.microsoft.com/office/drawing/2014/chart" uri="{C3380CC4-5D6E-409C-BE32-E72D297353CC}">
-              <c16:uniqueId val="{00000004-8917-459A-AF5A-6C146A50ED11}"/>
-            </c:ext>
-          </c:extLst>
-        </c:ser>
-        <c:ser>
-          <c:idx val="5"/>
-          <c:order val="5"/>
-          <c:tx>
-            <c:strRef>
-              <c:f>'Compare Protocols'!$G$52</c:f>
-              <c:strCache>
-                <c:ptCount val="1"/>
-                <c:pt idx="0">
-                  <c:v>Own</c:v>
-                </c:pt>
-              </c:strCache>
-            </c:strRef>
-          </c:tx>
-          <c:spPr>
-            <a:solidFill>
-              <a:srgbClr val="83CAFF"/>
-            </a:solidFill>
-            <a:ln>
-              <a:noFill/>
-            </a:ln>
-          </c:spPr>
-          <c:invertIfNegative val="0"/>
-          <c:cat>
-            <c:strRef>
-              <c:f>'Compare Protocols'!$A$53:$A$57</c:f>
-              <c:strCache>
-                <c:ptCount val="5"/>
-                <c:pt idx="0">
-                  <c:v>Open Connection</c:v>
-                </c:pt>
-                <c:pt idx="1">
-                  <c:v>Publish C→S</c:v>
-                </c:pt>
-                <c:pt idx="2">
-                  <c:v>Publish S→C</c:v>
-                </c:pt>
-                <c:pt idx="3">
-                  <c:v>Subscribe</c:v>
-                </c:pt>
-                <c:pt idx="4">
-                  <c:v>Close Connection</c:v>
-                </c:pt>
-              </c:strCache>
-            </c:strRef>
-          </c:cat>
-          <c:val>
-            <c:numRef>
-              <c:f>'Compare Protocols'!$G$53:$G$57</c:f>
-              <c:numCache>
-                <c:formatCode>General</c:formatCode>
-                <c:ptCount val="5"/>
-                <c:pt idx="0">
-                  <c:v>512</c:v>
-                </c:pt>
-                <c:pt idx="1">
-                  <c:v>193</c:v>
-                </c:pt>
-                <c:pt idx="2">
-                  <c:v>0</c:v>
-                </c:pt>
-                <c:pt idx="3">
-                  <c:v>0</c:v>
-                </c:pt>
-                <c:pt idx="4">
-                  <c:v>348</c:v>
-                </c:pt>
-              </c:numCache>
-            </c:numRef>
-          </c:val>
-          <c:extLst>
-            <c:ext xmlns:c16="http://schemas.microsoft.com/office/drawing/2014/chart" uri="{C3380CC4-5D6E-409C-BE32-E72D297353CC}">
-              <c16:uniqueId val="{00000005-8917-459A-AF5A-6C146A50ED11}"/>
-            </c:ext>
-          </c:extLst>
-        </c:ser>
-        <c:dLbls>
-          <c:showLegendKey val="0"/>
-          <c:showVal val="0"/>
-          <c:showCatName val="0"/>
-          <c:showSerName val="0"/>
-          <c:showPercent val="0"/>
-          <c:showBubbleSize val="0"/>
-        </c:dLbls>
-        <c:gapWidth val="150"/>
-        <c:axId val="436417056"/>
-        <c:axId val="436416728"/>
-      </c:barChart>
-      <c:valAx>
-        <c:axId val="436416728"/>
-        <c:scaling>
-          <c:orientation val="minMax"/>
-        </c:scaling>
-        <c:delete val="0"/>
-        <c:axPos val="l"/>
-        <c:majorGridlines>
-          <c:spPr>
-            <a:ln>
-              <a:solidFill>
-                <a:srgbClr val="B3B3B3"/>
-              </a:solidFill>
-            </a:ln>
-          </c:spPr>
-        </c:majorGridlines>
-        <c:numFmt formatCode="General" sourceLinked="1"/>
-        <c:majorTickMark val="none"/>
-        <c:minorTickMark val="none"/>
-        <c:tickLblPos val="nextTo"/>
-        <c:spPr>
-          <a:ln>
-            <a:solidFill>
-              <a:srgbClr val="B3B3B3"/>
-            </a:solidFill>
-          </a:ln>
-        </c:spPr>
-        <c:txPr>
-          <a:bodyPr/>
-          <a:lstStyle/>
-          <a:p>
-            <a:pPr>
-              <a:defRPr sz="1000" b="0"/>
-            </a:pPr>
-            <a:endParaRPr lang="de-DE"/>
-          </a:p>
-        </c:txPr>
-        <c:crossAx val="436417056"/>
-        <c:crossesAt val="0"/>
-        <c:crossBetween val="between"/>
-      </c:valAx>
-      <c:catAx>
-        <c:axId val="436417056"/>
-        <c:scaling>
-          <c:orientation val="minMax"/>
-        </c:scaling>
-        <c:delete val="0"/>
-        <c:axPos val="b"/>
-        <c:numFmt formatCode="General" sourceLinked="1"/>
-        <c:majorTickMark val="none"/>
-        <c:minorTickMark val="none"/>
-        <c:tickLblPos val="nextTo"/>
-        <c:spPr>
-          <a:ln>
-            <a:solidFill>
-              <a:srgbClr val="B3B3B3"/>
-            </a:solidFill>
-          </a:ln>
-        </c:spPr>
-        <c:txPr>
-          <a:bodyPr/>
-          <a:lstStyle/>
-          <a:p>
-            <a:pPr>
-              <a:defRPr sz="1000" b="0"/>
-            </a:pPr>
-            <a:endParaRPr lang="de-DE"/>
-          </a:p>
-        </c:txPr>
-        <c:crossAx val="436416728"/>
-        <c:crossesAt val="0"/>
-        <c:auto val="1"/>
-        <c:lblAlgn val="ctr"/>
-        <c:lblOffset val="100"/>
-        <c:noMultiLvlLbl val="0"/>
-      </c:catAx>
-      <c:spPr>
-        <a:noFill/>
-        <a:ln>
-          <a:solidFill>
-            <a:srgbClr val="B3B3B3"/>
-          </a:solidFill>
-          <a:prstDash val="solid"/>
-        </a:ln>
-      </c:spPr>
-    </c:plotArea>
-    <c:legend>
-      <c:legendPos val="r"/>
-      <c:overlay val="0"/>
-      <c:spPr>
-        <a:noFill/>
-        <a:ln>
-          <a:noFill/>
-        </a:ln>
-      </c:spPr>
-      <c:txPr>
-        <a:bodyPr/>
-        <a:lstStyle/>
-        <a:p>
-          <a:pPr>
-            <a:defRPr sz="1000" b="0"/>
-          </a:pPr>
-          <a:endParaRPr lang="de-DE"/>
-        </a:p>
-      </c:txPr>
-    </c:legend>
-    <c:plotVisOnly val="1"/>
-    <c:dispBlanksAs val="gap"/>
-    <c:showDLblsOverMax val="0"/>
-  </c:chart>
-  <c:spPr>
-    <a:ln>
-      <a:noFill/>
-    </a:ln>
-  </c:spPr>
-  <c:externalData r:id="rId1">
-    <c:autoUpdate val="0"/>
-  </c:externalData>
-</c:chartSpace>
-</file>
-
-<file path=ppt/charts/chart2.xml><?xml version="1.0" encoding="utf-8"?>
-<c:chartSpace xmlns:c="http://schemas.openxmlformats.org/drawingml/2006/chart" xmlns:a="http://schemas.openxmlformats.org/drawingml/2006/main" xmlns:r="http://schemas.openxmlformats.org/officeDocument/2006/relationships" xmlns:c16r2="http://schemas.microsoft.com/office/drawing/2015/06/chart">
-  <c:date1904 val="0"/>
-  <c:lang val="de-DE"/>
-  <c:roundedCorners val="0"/>
-  <mc:AlternateContent xmlns:mc="http://schemas.openxmlformats.org/markup-compatibility/2006">
-    <mc:Choice xmlns:c14="http://schemas.microsoft.com/office/drawing/2007/8/2/chart" Requires="c14">
-      <c14:style val="102"/>
-    </mc:Choice>
-    <mc:Fallback>
-      <c:style val="2"/>
-    </mc:Fallback>
-  </mc:AlternateContent>
-  <c:chart>
-    <c:title>
-      <c:tx>
-        <c:rich>
-          <a:bodyPr/>
-          <a:lstStyle/>
-          <a:p>
-            <a:pPr>
-              <a:defRPr sz="1300" b="0"/>
-            </a:pPr>
-            <a:r>
-              <a:rPr lang="de-AT"/>
-              <a:t>Data from client to server</a:t>
-            </a:r>
-          </a:p>
-        </c:rich>
-      </c:tx>
-      <c:overlay val="0"/>
-    </c:title>
-    <c:autoTitleDeleted val="0"/>
-    <c:plotArea>
-      <c:layout/>
-      <c:barChart>
-        <c:barDir val="col"/>
-        <c:grouping val="clustered"/>
-        <c:varyColors val="0"/>
-        <c:ser>
-          <c:idx val="0"/>
-          <c:order val="0"/>
-          <c:tx>
-            <c:strRef>
-              <c:f>'Compare Protocols'!$B$60</c:f>
-              <c:strCache>
-                <c:ptCount val="1"/>
-                <c:pt idx="0">
-                  <c:v>HTTP</c:v>
-                </c:pt>
-              </c:strCache>
-            </c:strRef>
-          </c:tx>
-          <c:spPr>
-            <a:solidFill>
-              <a:srgbClr val="004586"/>
-            </a:solidFill>
-            <a:ln>
-              <a:noFill/>
-            </a:ln>
-          </c:spPr>
-          <c:invertIfNegative val="0"/>
-          <c:cat>
-            <c:strRef>
-              <c:f>'Compare Protocols'!$A$61:$A$65</c:f>
-              <c:strCache>
-                <c:ptCount val="5"/>
-                <c:pt idx="0">
-                  <c:v>Open Connection</c:v>
-                </c:pt>
-                <c:pt idx="1">
-                  <c:v>Publish C→S</c:v>
-                </c:pt>
-                <c:pt idx="2">
-                  <c:v>Publish S→C</c:v>
-                </c:pt>
-                <c:pt idx="3">
-                  <c:v>Subscribe</c:v>
-                </c:pt>
-                <c:pt idx="4">
-                  <c:v>Close Connection</c:v>
-                </c:pt>
-              </c:strCache>
-            </c:strRef>
-          </c:cat>
-          <c:val>
-            <c:numRef>
-              <c:f>'Compare Protocols'!$B$61:$B$65</c:f>
-              <c:numCache>
-                <c:formatCode>General</c:formatCode>
-                <c:ptCount val="5"/>
-                <c:pt idx="0">
-                  <c:v>98</c:v>
-                </c:pt>
-                <c:pt idx="1">
-                  <c:v>1145</c:v>
-                </c:pt>
-                <c:pt idx="2">
-                  <c:v>0</c:v>
-                </c:pt>
-                <c:pt idx="3">
-                  <c:v>0</c:v>
-                </c:pt>
-                <c:pt idx="4">
-                  <c:v>90</c:v>
-                </c:pt>
-              </c:numCache>
-            </c:numRef>
-          </c:val>
-          <c:extLst>
-            <c:ext xmlns:c16="http://schemas.microsoft.com/office/drawing/2014/chart" uri="{C3380CC4-5D6E-409C-BE32-E72D297353CC}">
-              <c16:uniqueId val="{00000000-908F-4B4D-8378-FE6A3E368015}"/>
-            </c:ext>
-          </c:extLst>
-        </c:ser>
-        <c:ser>
-          <c:idx val="1"/>
-          <c:order val="1"/>
-          <c:tx>
-            <c:strRef>
-              <c:f>'Compare Protocols'!$C$60</c:f>
-              <c:strCache>
-                <c:ptCount val="1"/>
-                <c:pt idx="0">
-                  <c:v>MQTT</c:v>
-                </c:pt>
-              </c:strCache>
-            </c:strRef>
-          </c:tx>
-          <c:spPr>
-            <a:solidFill>
-              <a:srgbClr val="FF420E"/>
-            </a:solidFill>
-            <a:ln>
-              <a:noFill/>
-            </a:ln>
-          </c:spPr>
-          <c:invertIfNegative val="0"/>
-          <c:cat>
-            <c:strRef>
-              <c:f>'Compare Protocols'!$A$61:$A$65</c:f>
-              <c:strCache>
-                <c:ptCount val="5"/>
-                <c:pt idx="0">
-                  <c:v>Open Connection</c:v>
-                </c:pt>
-                <c:pt idx="1">
-                  <c:v>Publish C→S</c:v>
-                </c:pt>
-                <c:pt idx="2">
-                  <c:v>Publish S→C</c:v>
-                </c:pt>
-                <c:pt idx="3">
-                  <c:v>Subscribe</c:v>
-                </c:pt>
-                <c:pt idx="4">
-                  <c:v>Close Connection</c:v>
-                </c:pt>
-              </c:strCache>
-            </c:strRef>
-          </c:cat>
-          <c:val>
-            <c:numRef>
-              <c:f>'Compare Protocols'!$C$61:$C$65</c:f>
-              <c:numCache>
-                <c:formatCode>General</c:formatCode>
-                <c:ptCount val="5"/>
-                <c:pt idx="0">
-                  <c:v>314</c:v>
-                </c:pt>
-                <c:pt idx="1">
-                  <c:v>287</c:v>
-                </c:pt>
-                <c:pt idx="2">
-                  <c:v>94</c:v>
-                </c:pt>
-                <c:pt idx="3">
-                  <c:v>107</c:v>
-                </c:pt>
-                <c:pt idx="4">
-                  <c:v>182</c:v>
-                </c:pt>
-              </c:numCache>
-            </c:numRef>
-          </c:val>
-          <c:extLst>
-            <c:ext xmlns:c16="http://schemas.microsoft.com/office/drawing/2014/chart" uri="{C3380CC4-5D6E-409C-BE32-E72D297353CC}">
-              <c16:uniqueId val="{00000001-908F-4B4D-8378-FE6A3E368015}"/>
-            </c:ext>
-          </c:extLst>
-        </c:ser>
-        <c:ser>
-          <c:idx val="2"/>
-          <c:order val="2"/>
-          <c:tx>
-            <c:strRef>
-              <c:f>'Compare Protocols'!$D$60</c:f>
-              <c:strCache>
-                <c:ptCount val="1"/>
-                <c:pt idx="0">
-                  <c:v>WebSockets</c:v>
-                </c:pt>
-              </c:strCache>
-            </c:strRef>
-          </c:tx>
-          <c:spPr>
-            <a:solidFill>
-              <a:srgbClr val="FFD320"/>
-            </a:solidFill>
-            <a:ln>
-              <a:noFill/>
-            </a:ln>
-          </c:spPr>
-          <c:invertIfNegative val="0"/>
-          <c:cat>
-            <c:strRef>
-              <c:f>'Compare Protocols'!$A$61:$A$65</c:f>
-              <c:strCache>
-                <c:ptCount val="5"/>
-                <c:pt idx="0">
-                  <c:v>Open Connection</c:v>
-                </c:pt>
-                <c:pt idx="1">
-                  <c:v>Publish C→S</c:v>
-                </c:pt>
-                <c:pt idx="2">
-                  <c:v>Publish S→C</c:v>
-                </c:pt>
-                <c:pt idx="3">
-                  <c:v>Subscribe</c:v>
-                </c:pt>
-                <c:pt idx="4">
-                  <c:v>Close Connection</c:v>
-                </c:pt>
-              </c:strCache>
-            </c:strRef>
-          </c:cat>
-          <c:val>
-            <c:numRef>
-              <c:f>'Compare Protocols'!$D$61:$D$65</c:f>
-              <c:numCache>
-                <c:formatCode>General</c:formatCode>
-                <c:ptCount val="5"/>
-                <c:pt idx="0">
-                  <c:v>628</c:v>
-                </c:pt>
-                <c:pt idx="1">
-                  <c:v>280</c:v>
-                </c:pt>
-                <c:pt idx="2">
-                  <c:v>90</c:v>
-                </c:pt>
-                <c:pt idx="3">
-                  <c:v>0</c:v>
-                </c:pt>
-                <c:pt idx="4">
-                  <c:v>176</c:v>
-                </c:pt>
-              </c:numCache>
-            </c:numRef>
-          </c:val>
-          <c:extLst>
-            <c:ext xmlns:c16="http://schemas.microsoft.com/office/drawing/2014/chart" uri="{C3380CC4-5D6E-409C-BE32-E72D297353CC}">
-              <c16:uniqueId val="{00000002-908F-4B4D-8378-FE6A3E368015}"/>
-            </c:ext>
-          </c:extLst>
-        </c:ser>
-        <c:ser>
-          <c:idx val="3"/>
-          <c:order val="3"/>
-          <c:tx>
-            <c:strRef>
-              <c:f>'Compare Protocols'!$E$60</c:f>
-              <c:strCache>
-                <c:ptCount val="1"/>
-                <c:pt idx="0">
-                  <c:v>STOMP</c:v>
-                </c:pt>
-              </c:strCache>
-            </c:strRef>
-          </c:tx>
-          <c:spPr>
-            <a:solidFill>
-              <a:srgbClr val="579D1C"/>
-            </a:solidFill>
-            <a:ln>
-              <a:noFill/>
-            </a:ln>
-          </c:spPr>
-          <c:invertIfNegative val="0"/>
-          <c:cat>
-            <c:strRef>
-              <c:f>'Compare Protocols'!$A$61:$A$65</c:f>
-              <c:strCache>
-                <c:ptCount val="5"/>
-                <c:pt idx="0">
-                  <c:v>Open Connection</c:v>
-                </c:pt>
-                <c:pt idx="1">
-                  <c:v>Publish C→S</c:v>
-                </c:pt>
-                <c:pt idx="2">
-                  <c:v>Publish S→C</c:v>
-                </c:pt>
-                <c:pt idx="3">
-                  <c:v>Subscribe</c:v>
-                </c:pt>
-                <c:pt idx="4">
-                  <c:v>Close Connection</c:v>
-                </c:pt>
-              </c:strCache>
-            </c:strRef>
-          </c:cat>
-          <c:val>
-            <c:numRef>
-              <c:f>'Compare Protocols'!$E$61:$E$65</c:f>
-              <c:numCache>
-                <c:formatCode>General</c:formatCode>
-                <c:ptCount val="5"/>
-                <c:pt idx="0">
-                  <c:v>418</c:v>
-                </c:pt>
-                <c:pt idx="1">
-                  <c:v>334</c:v>
-                </c:pt>
-                <c:pt idx="2">
-                  <c:v>90</c:v>
-                </c:pt>
-                <c:pt idx="3">
-                  <c:v>150</c:v>
-                </c:pt>
-                <c:pt idx="4">
-                  <c:v>328</c:v>
-                </c:pt>
-              </c:numCache>
-            </c:numRef>
-          </c:val>
-          <c:extLst>
-            <c:ext xmlns:c16="http://schemas.microsoft.com/office/drawing/2014/chart" uri="{C3380CC4-5D6E-409C-BE32-E72D297353CC}">
-              <c16:uniqueId val="{00000003-908F-4B4D-8378-FE6A3E368015}"/>
-            </c:ext>
-          </c:extLst>
-        </c:ser>
-        <c:ser>
-          <c:idx val="4"/>
-          <c:order val="4"/>
-          <c:tx>
-            <c:strRef>
-              <c:f>'Compare Protocols'!$F$60</c:f>
-              <c:strCache>
-                <c:ptCount val="1"/>
-                <c:pt idx="0">
-                  <c:v>CoAP</c:v>
-                </c:pt>
-              </c:strCache>
-            </c:strRef>
-          </c:tx>
-          <c:spPr>
-            <a:solidFill>
-              <a:srgbClr val="7E0021"/>
-            </a:solidFill>
-            <a:ln>
-              <a:noFill/>
-            </a:ln>
-          </c:spPr>
-          <c:invertIfNegative val="0"/>
-          <c:cat>
-            <c:strRef>
-              <c:f>'Compare Protocols'!$A$61:$A$65</c:f>
-              <c:strCache>
-                <c:ptCount val="5"/>
-                <c:pt idx="0">
-                  <c:v>Open Connection</c:v>
-                </c:pt>
-                <c:pt idx="1">
-                  <c:v>Publish C→S</c:v>
-                </c:pt>
-                <c:pt idx="2">
-                  <c:v>Publish S→C</c:v>
-                </c:pt>
-                <c:pt idx="3">
-                  <c:v>Subscribe</c:v>
-                </c:pt>
-                <c:pt idx="4">
-                  <c:v>Close Connection</c:v>
-                </c:pt>
-              </c:strCache>
-            </c:strRef>
-          </c:cat>
-          <c:val>
-            <c:numRef>
-              <c:f>'Compare Protocols'!$F$61:$F$65</c:f>
-              <c:numCache>
-                <c:formatCode>General</c:formatCode>
-                <c:ptCount val="5"/>
-                <c:pt idx="0">
-                  <c:v>0</c:v>
-                </c:pt>
-                <c:pt idx="1">
-                  <c:v>161</c:v>
-                </c:pt>
-                <c:pt idx="2">
-                  <c:v>161</c:v>
-                </c:pt>
-                <c:pt idx="3">
-                  <c:v>0</c:v>
-                </c:pt>
-                <c:pt idx="4">
-                  <c:v>0</c:v>
-                </c:pt>
-              </c:numCache>
-            </c:numRef>
-          </c:val>
-          <c:extLst>
-            <c:ext xmlns:c16="http://schemas.microsoft.com/office/drawing/2014/chart" uri="{C3380CC4-5D6E-409C-BE32-E72D297353CC}">
-              <c16:uniqueId val="{00000004-908F-4B4D-8378-FE6A3E368015}"/>
-            </c:ext>
-          </c:extLst>
-        </c:ser>
-        <c:ser>
-          <c:idx val="5"/>
-          <c:order val="5"/>
-          <c:tx>
-            <c:strRef>
-              <c:f>'Compare Protocols'!$G$60</c:f>
-              <c:strCache>
-                <c:ptCount val="1"/>
-                <c:pt idx="0">
-                  <c:v>Own</c:v>
-                </c:pt>
-              </c:strCache>
-            </c:strRef>
-          </c:tx>
-          <c:spPr>
-            <a:solidFill>
-              <a:srgbClr val="83CAFF"/>
-            </a:solidFill>
-            <a:ln>
-              <a:noFill/>
-            </a:ln>
-          </c:spPr>
-          <c:invertIfNegative val="0"/>
-          <c:cat>
-            <c:strRef>
-              <c:f>'Compare Protocols'!$A$61:$A$65</c:f>
-              <c:strCache>
-                <c:ptCount val="5"/>
-                <c:pt idx="0">
-                  <c:v>Open Connection</c:v>
-                </c:pt>
-                <c:pt idx="1">
-                  <c:v>Publish C→S</c:v>
-                </c:pt>
-                <c:pt idx="2">
-                  <c:v>Publish S→C</c:v>
-                </c:pt>
-                <c:pt idx="3">
-                  <c:v>Subscribe</c:v>
-                </c:pt>
-                <c:pt idx="4">
-                  <c:v>Close Connection</c:v>
-                </c:pt>
-              </c:strCache>
-            </c:strRef>
-          </c:cat>
-          <c:val>
-            <c:numRef>
-              <c:f>'Compare Protocols'!$G$61:$G$65</c:f>
-              <c:numCache>
-                <c:formatCode>General</c:formatCode>
-                <c:ptCount val="5"/>
-                <c:pt idx="0">
-                  <c:v>330</c:v>
-                </c:pt>
-                <c:pt idx="1">
-                  <c:v>109</c:v>
-                </c:pt>
-                <c:pt idx="2">
-                  <c:v>0</c:v>
-                </c:pt>
-                <c:pt idx="3">
-                  <c:v>0</c:v>
-                </c:pt>
-                <c:pt idx="4">
-                  <c:v>174</c:v>
-                </c:pt>
-              </c:numCache>
-            </c:numRef>
-          </c:val>
-          <c:extLst>
-            <c:ext xmlns:c16="http://schemas.microsoft.com/office/drawing/2014/chart" uri="{C3380CC4-5D6E-409C-BE32-E72D297353CC}">
-              <c16:uniqueId val="{00000005-908F-4B4D-8378-FE6A3E368015}"/>
-            </c:ext>
-          </c:extLst>
-        </c:ser>
-        <c:dLbls>
-          <c:showLegendKey val="0"/>
-          <c:showVal val="0"/>
-          <c:showCatName val="0"/>
-          <c:showSerName val="0"/>
-          <c:showPercent val="0"/>
-          <c:showBubbleSize val="0"/>
-        </c:dLbls>
-        <c:gapWidth val="150"/>
-        <c:axId val="436414104"/>
-        <c:axId val="436413776"/>
-      </c:barChart>
-      <c:valAx>
-        <c:axId val="436413776"/>
-        <c:scaling>
-          <c:orientation val="minMax"/>
-        </c:scaling>
-        <c:delete val="0"/>
-        <c:axPos val="l"/>
-        <c:majorGridlines>
-          <c:spPr>
-            <a:ln>
-              <a:solidFill>
-                <a:srgbClr val="B3B3B3"/>
-              </a:solidFill>
-            </a:ln>
-          </c:spPr>
-        </c:majorGridlines>
-        <c:numFmt formatCode="General" sourceLinked="1"/>
-        <c:majorTickMark val="none"/>
-        <c:minorTickMark val="none"/>
-        <c:tickLblPos val="nextTo"/>
-        <c:spPr>
-          <a:ln>
-            <a:solidFill>
-              <a:srgbClr val="B3B3B3"/>
-            </a:solidFill>
-          </a:ln>
-        </c:spPr>
-        <c:txPr>
-          <a:bodyPr/>
-          <a:lstStyle/>
-          <a:p>
-            <a:pPr>
-              <a:defRPr sz="1000" b="0"/>
-            </a:pPr>
-            <a:endParaRPr lang="de-DE"/>
-          </a:p>
-        </c:txPr>
-        <c:crossAx val="436414104"/>
-        <c:crossesAt val="0"/>
-        <c:crossBetween val="between"/>
-      </c:valAx>
-      <c:catAx>
-        <c:axId val="436414104"/>
-        <c:scaling>
-          <c:orientation val="minMax"/>
-        </c:scaling>
-        <c:delete val="0"/>
-        <c:axPos val="b"/>
-        <c:numFmt formatCode="General" sourceLinked="1"/>
-        <c:majorTickMark val="none"/>
-        <c:minorTickMark val="none"/>
-        <c:tickLblPos val="nextTo"/>
-        <c:spPr>
-          <a:ln>
-            <a:solidFill>
-              <a:srgbClr val="B3B3B3"/>
-            </a:solidFill>
-          </a:ln>
-        </c:spPr>
-        <c:txPr>
-          <a:bodyPr/>
-          <a:lstStyle/>
-          <a:p>
-            <a:pPr>
-              <a:defRPr sz="1000" b="0"/>
-            </a:pPr>
-            <a:endParaRPr lang="de-DE"/>
-          </a:p>
-        </c:txPr>
-        <c:crossAx val="436413776"/>
-        <c:crossesAt val="0"/>
-        <c:auto val="1"/>
-        <c:lblAlgn val="ctr"/>
-        <c:lblOffset val="100"/>
-        <c:noMultiLvlLbl val="0"/>
-      </c:catAx>
-      <c:spPr>
-        <a:noFill/>
-        <a:ln>
-          <a:solidFill>
-            <a:srgbClr val="B3B3B3"/>
-          </a:solidFill>
-          <a:prstDash val="solid"/>
-        </a:ln>
-      </c:spPr>
-    </c:plotArea>
-    <c:legend>
-      <c:legendPos val="r"/>
-      <c:overlay val="0"/>
-      <c:spPr>
-        <a:noFill/>
-        <a:ln>
-          <a:noFill/>
-        </a:ln>
-      </c:spPr>
-      <c:txPr>
-        <a:bodyPr/>
-        <a:lstStyle/>
-        <a:p>
-          <a:pPr>
-            <a:defRPr sz="1000" b="0"/>
-          </a:pPr>
-          <a:endParaRPr lang="de-DE"/>
-        </a:p>
-      </c:txPr>
-    </c:legend>
-    <c:plotVisOnly val="1"/>
-    <c:dispBlanksAs val="gap"/>
-    <c:showDLblsOverMax val="0"/>
-  </c:chart>
-  <c:spPr>
-    <a:ln>
-      <a:noFill/>
-    </a:ln>
-  </c:spPr>
-  <c:externalData r:id="rId1">
-    <c:autoUpdate val="0"/>
-  </c:externalData>
-</c:chartSpace>
-</file>
-
-<file path=ppt/charts/chart3.xml><?xml version="1.0" encoding="utf-8"?>
-<c:chartSpace xmlns:c="http://schemas.openxmlformats.org/drawingml/2006/chart" xmlns:a="http://schemas.openxmlformats.org/drawingml/2006/main" xmlns:r="http://schemas.openxmlformats.org/officeDocument/2006/relationships" xmlns:c16r2="http://schemas.microsoft.com/office/drawing/2015/06/chart">
-  <c:date1904 val="0"/>
-  <c:lang val="de-DE"/>
-  <c:roundedCorners val="0"/>
-  <mc:AlternateContent xmlns:mc="http://schemas.openxmlformats.org/markup-compatibility/2006">
-    <mc:Choice xmlns:c14="http://schemas.microsoft.com/office/drawing/2007/8/2/chart" Requires="c14">
-      <c14:style val="102"/>
-    </mc:Choice>
-    <mc:Fallback>
-      <c:style val="2"/>
-    </mc:Fallback>
-  </mc:AlternateContent>
-  <c:chart>
-    <c:title>
-      <c:tx>
-        <c:rich>
-          <a:bodyPr/>
-          <a:lstStyle/>
-          <a:p>
-            <a:pPr>
-              <a:defRPr sz="1300" b="0"/>
-            </a:pPr>
-            <a:r>
-              <a:rPr lang="de-AT"/>
-              <a:t>Overhead Publish</a:t>
-            </a:r>
-          </a:p>
-        </c:rich>
-      </c:tx>
-      <c:overlay val="0"/>
-    </c:title>
-    <c:autoTitleDeleted val="0"/>
-    <c:plotArea>
-      <c:layout/>
-      <c:barChart>
-        <c:barDir val="col"/>
-        <c:grouping val="clustered"/>
-        <c:varyColors val="0"/>
-        <c:ser>
-          <c:idx val="0"/>
-          <c:order val="0"/>
-          <c:tx>
-            <c:strRef>
-              <c:f>'Compare Protocols'!$B$75</c:f>
-              <c:strCache>
-                <c:ptCount val="1"/>
-                <c:pt idx="0">
-                  <c:v>HTTP</c:v>
-                </c:pt>
-              </c:strCache>
-            </c:strRef>
-          </c:tx>
-          <c:spPr>
-            <a:solidFill>
-              <a:srgbClr val="004586"/>
-            </a:solidFill>
-            <a:ln>
-              <a:noFill/>
-            </a:ln>
-          </c:spPr>
-          <c:invertIfNegative val="0"/>
-          <c:cat>
-            <c:strRef>
-              <c:f>'Compare Protocols'!$A$76</c:f>
-              <c:strCache>
-                <c:ptCount val="1"/>
-                <c:pt idx="0">
-                  <c:v>Publish C→S</c:v>
-                </c:pt>
-              </c:strCache>
-            </c:strRef>
-          </c:cat>
-          <c:val>
-            <c:numRef>
-              <c:f>'Compare Protocols'!$B$76</c:f>
-              <c:numCache>
-                <c:formatCode>General</c:formatCode>
-                <c:ptCount val="1"/>
-                <c:pt idx="0">
-                  <c:v>1004</c:v>
-                </c:pt>
-              </c:numCache>
-            </c:numRef>
-          </c:val>
-          <c:extLst>
-            <c:ext xmlns:c16="http://schemas.microsoft.com/office/drawing/2014/chart" uri="{C3380CC4-5D6E-409C-BE32-E72D297353CC}">
-              <c16:uniqueId val="{00000000-2440-4B24-A44B-FB63AC2523C6}"/>
-            </c:ext>
-          </c:extLst>
-        </c:ser>
-        <c:ser>
-          <c:idx val="1"/>
-          <c:order val="1"/>
-          <c:tx>
-            <c:strRef>
-              <c:f>'Compare Protocols'!$C$75</c:f>
-              <c:strCache>
-                <c:ptCount val="1"/>
-                <c:pt idx="0">
-                  <c:v>MQTT</c:v>
-                </c:pt>
-              </c:strCache>
-            </c:strRef>
-          </c:tx>
-          <c:spPr>
-            <a:solidFill>
-              <a:srgbClr val="FF420E"/>
-            </a:solidFill>
-            <a:ln>
-              <a:noFill/>
-            </a:ln>
-          </c:spPr>
-          <c:invertIfNegative val="0"/>
-          <c:cat>
-            <c:strRef>
-              <c:f>'Compare Protocols'!$A$76</c:f>
-              <c:strCache>
-                <c:ptCount val="1"/>
-                <c:pt idx="0">
-                  <c:v>Publish C→S</c:v>
-                </c:pt>
-              </c:strCache>
-            </c:strRef>
-          </c:cat>
-          <c:val>
-            <c:numRef>
-              <c:f>'Compare Protocols'!$C$76</c:f>
-              <c:numCache>
-                <c:formatCode>General</c:formatCode>
-                <c:ptCount val="1"/>
-                <c:pt idx="0">
-                  <c:v>146</c:v>
-                </c:pt>
-              </c:numCache>
-            </c:numRef>
-          </c:val>
-          <c:extLst>
-            <c:ext xmlns:c16="http://schemas.microsoft.com/office/drawing/2014/chart" uri="{C3380CC4-5D6E-409C-BE32-E72D297353CC}">
-              <c16:uniqueId val="{00000001-2440-4B24-A44B-FB63AC2523C6}"/>
-            </c:ext>
-          </c:extLst>
-        </c:ser>
-        <c:ser>
-          <c:idx val="2"/>
-          <c:order val="2"/>
-          <c:tx>
-            <c:strRef>
-              <c:f>'Compare Protocols'!$D$75</c:f>
-              <c:strCache>
-                <c:ptCount val="1"/>
-                <c:pt idx="0">
-                  <c:v>WebSockets</c:v>
-                </c:pt>
-              </c:strCache>
-            </c:strRef>
-          </c:tx>
-          <c:spPr>
-            <a:solidFill>
-              <a:srgbClr val="FFD320"/>
-            </a:solidFill>
-            <a:ln>
-              <a:noFill/>
-            </a:ln>
-          </c:spPr>
-          <c:invertIfNegative val="0"/>
-          <c:cat>
-            <c:strRef>
-              <c:f>'Compare Protocols'!$A$76</c:f>
-              <c:strCache>
-                <c:ptCount val="1"/>
-                <c:pt idx="0">
-                  <c:v>Publish C→S</c:v>
-                </c:pt>
-              </c:strCache>
-            </c:strRef>
-          </c:cat>
-          <c:val>
-            <c:numRef>
-              <c:f>'Compare Protocols'!$D$76</c:f>
-              <c:numCache>
-                <c:formatCode>General</c:formatCode>
-                <c:ptCount val="1"/>
-                <c:pt idx="0">
-                  <c:v>139</c:v>
-                </c:pt>
-              </c:numCache>
-            </c:numRef>
-          </c:val>
-          <c:extLst>
-            <c:ext xmlns:c16="http://schemas.microsoft.com/office/drawing/2014/chart" uri="{C3380CC4-5D6E-409C-BE32-E72D297353CC}">
-              <c16:uniqueId val="{00000002-2440-4B24-A44B-FB63AC2523C6}"/>
-            </c:ext>
-          </c:extLst>
-        </c:ser>
-        <c:ser>
-          <c:idx val="3"/>
-          <c:order val="3"/>
-          <c:tx>
-            <c:strRef>
-              <c:f>'Compare Protocols'!$E$75</c:f>
-              <c:strCache>
-                <c:ptCount val="1"/>
-                <c:pt idx="0">
-                  <c:v>STOMP</c:v>
-                </c:pt>
-              </c:strCache>
-            </c:strRef>
-          </c:tx>
-          <c:spPr>
-            <a:solidFill>
-              <a:srgbClr val="579D1C"/>
-            </a:solidFill>
-            <a:ln>
-              <a:noFill/>
-            </a:ln>
-          </c:spPr>
-          <c:invertIfNegative val="0"/>
-          <c:cat>
-            <c:strRef>
-              <c:f>'Compare Protocols'!$A$76</c:f>
-              <c:strCache>
-                <c:ptCount val="1"/>
-                <c:pt idx="0">
-                  <c:v>Publish C→S</c:v>
-                </c:pt>
-              </c:strCache>
-            </c:strRef>
-          </c:cat>
-          <c:val>
-            <c:numRef>
-              <c:f>'Compare Protocols'!$E$76</c:f>
-              <c:numCache>
-                <c:formatCode>General</c:formatCode>
-                <c:ptCount val="1"/>
-                <c:pt idx="0">
-                  <c:v>193</c:v>
-                </c:pt>
-              </c:numCache>
-            </c:numRef>
-          </c:val>
-          <c:extLst>
-            <c:ext xmlns:c16="http://schemas.microsoft.com/office/drawing/2014/chart" uri="{C3380CC4-5D6E-409C-BE32-E72D297353CC}">
-              <c16:uniqueId val="{00000003-2440-4B24-A44B-FB63AC2523C6}"/>
-            </c:ext>
-          </c:extLst>
-        </c:ser>
-        <c:ser>
-          <c:idx val="4"/>
-          <c:order val="4"/>
-          <c:tx>
-            <c:strRef>
-              <c:f>'Compare Protocols'!$F$75</c:f>
-              <c:strCache>
-                <c:ptCount val="1"/>
-                <c:pt idx="0">
-                  <c:v>CoAP</c:v>
-                </c:pt>
-              </c:strCache>
-            </c:strRef>
-          </c:tx>
-          <c:spPr>
-            <a:solidFill>
-              <a:srgbClr val="7E0021"/>
-            </a:solidFill>
-            <a:ln>
-              <a:noFill/>
-            </a:ln>
-          </c:spPr>
-          <c:invertIfNegative val="0"/>
-          <c:cat>
-            <c:strRef>
-              <c:f>'Compare Protocols'!$A$76</c:f>
-              <c:strCache>
-                <c:ptCount val="1"/>
-                <c:pt idx="0">
-                  <c:v>Publish C→S</c:v>
-                </c:pt>
-              </c:strCache>
-            </c:strRef>
-          </c:cat>
-          <c:val>
-            <c:numRef>
-              <c:f>'Compare Protocols'!$F$76</c:f>
-              <c:numCache>
-                <c:formatCode>General</c:formatCode>
-                <c:ptCount val="1"/>
-                <c:pt idx="0">
-                  <c:v>131</c:v>
-                </c:pt>
-              </c:numCache>
-            </c:numRef>
-          </c:val>
-          <c:extLst>
-            <c:ext xmlns:c16="http://schemas.microsoft.com/office/drawing/2014/chart" uri="{C3380CC4-5D6E-409C-BE32-E72D297353CC}">
-              <c16:uniqueId val="{00000004-2440-4B24-A44B-FB63AC2523C6}"/>
-            </c:ext>
-          </c:extLst>
-        </c:ser>
-        <c:ser>
-          <c:idx val="5"/>
-          <c:order val="5"/>
-          <c:tx>
-            <c:strRef>
-              <c:f>'Compare Protocols'!$G$75</c:f>
-              <c:strCache>
-                <c:ptCount val="1"/>
-                <c:pt idx="0">
-                  <c:v>Own</c:v>
-                </c:pt>
-              </c:strCache>
-            </c:strRef>
-          </c:tx>
-          <c:spPr>
-            <a:solidFill>
-              <a:srgbClr val="83CAFF"/>
-            </a:solidFill>
-            <a:ln>
-              <a:noFill/>
-            </a:ln>
-          </c:spPr>
-          <c:invertIfNegative val="0"/>
-          <c:cat>
-            <c:strRef>
-              <c:f>'Compare Protocols'!$A$76</c:f>
-              <c:strCache>
-                <c:ptCount val="1"/>
-                <c:pt idx="0">
-                  <c:v>Publish C→S</c:v>
-                </c:pt>
-              </c:strCache>
-            </c:strRef>
-          </c:cat>
-          <c:val>
-            <c:numRef>
-              <c:f>'Compare Protocols'!$G$76</c:f>
-              <c:numCache>
-                <c:formatCode>General</c:formatCode>
-                <c:ptCount val="1"/>
-                <c:pt idx="0">
-                  <c:v>79</c:v>
-                </c:pt>
-              </c:numCache>
-            </c:numRef>
-          </c:val>
-          <c:extLst>
-            <c:ext xmlns:c16="http://schemas.microsoft.com/office/drawing/2014/chart" uri="{C3380CC4-5D6E-409C-BE32-E72D297353CC}">
-              <c16:uniqueId val="{00000005-2440-4B24-A44B-FB63AC2523C6}"/>
-            </c:ext>
-          </c:extLst>
-        </c:ser>
-        <c:dLbls>
-          <c:showLegendKey val="0"/>
-          <c:showVal val="0"/>
-          <c:showCatName val="0"/>
-          <c:showSerName val="0"/>
-          <c:showPercent val="0"/>
-          <c:showBubbleSize val="0"/>
-        </c:dLbls>
-        <c:gapWidth val="150"/>
-        <c:axId val="436414432"/>
-        <c:axId val="436413120"/>
-      </c:barChart>
-      <c:valAx>
-        <c:axId val="436413120"/>
-        <c:scaling>
-          <c:orientation val="minMax"/>
-        </c:scaling>
-        <c:delete val="0"/>
-        <c:axPos val="l"/>
-        <c:majorGridlines>
-          <c:spPr>
-            <a:ln>
-              <a:solidFill>
-                <a:srgbClr val="B3B3B3"/>
-              </a:solidFill>
-            </a:ln>
-          </c:spPr>
-        </c:majorGridlines>
-        <c:numFmt formatCode="General" sourceLinked="1"/>
-        <c:majorTickMark val="none"/>
-        <c:minorTickMark val="none"/>
-        <c:tickLblPos val="nextTo"/>
-        <c:spPr>
-          <a:ln>
-            <a:solidFill>
-              <a:srgbClr val="B3B3B3"/>
-            </a:solidFill>
-          </a:ln>
-        </c:spPr>
-        <c:txPr>
-          <a:bodyPr/>
-          <a:lstStyle/>
-          <a:p>
-            <a:pPr>
-              <a:defRPr sz="1000" b="0"/>
-            </a:pPr>
-            <a:endParaRPr lang="de-DE"/>
-          </a:p>
-        </c:txPr>
-        <c:crossAx val="436414432"/>
-        <c:crossesAt val="0"/>
-        <c:crossBetween val="between"/>
-      </c:valAx>
-      <c:catAx>
-        <c:axId val="436414432"/>
-        <c:scaling>
-          <c:orientation val="minMax"/>
-        </c:scaling>
-        <c:delete val="0"/>
-        <c:axPos val="b"/>
-        <c:numFmt formatCode="General" sourceLinked="1"/>
-        <c:majorTickMark val="none"/>
-        <c:minorTickMark val="none"/>
-        <c:tickLblPos val="nextTo"/>
-        <c:spPr>
-          <a:ln>
-            <a:solidFill>
-              <a:srgbClr val="B3B3B3"/>
-            </a:solidFill>
-          </a:ln>
-        </c:spPr>
-        <c:txPr>
-          <a:bodyPr/>
-          <a:lstStyle/>
-          <a:p>
-            <a:pPr>
-              <a:defRPr sz="1000" b="0"/>
-            </a:pPr>
-            <a:endParaRPr lang="de-DE"/>
-          </a:p>
-        </c:txPr>
-        <c:crossAx val="436413120"/>
-        <c:crossesAt val="0"/>
-        <c:auto val="1"/>
-        <c:lblAlgn val="ctr"/>
-        <c:lblOffset val="100"/>
-        <c:noMultiLvlLbl val="0"/>
-      </c:catAx>
-      <c:spPr>
-        <a:noFill/>
-        <a:ln>
-          <a:solidFill>
-            <a:srgbClr val="B3B3B3"/>
-          </a:solidFill>
-          <a:prstDash val="solid"/>
-        </a:ln>
-      </c:spPr>
-    </c:plotArea>
-    <c:legend>
-      <c:legendPos val="r"/>
-      <c:overlay val="0"/>
-      <c:spPr>
-        <a:noFill/>
-        <a:ln>
-          <a:noFill/>
-        </a:ln>
-      </c:spPr>
-      <c:txPr>
-        <a:bodyPr/>
-        <a:lstStyle/>
-        <a:p>
-          <a:pPr>
-            <a:defRPr sz="1000" b="0"/>
-          </a:pPr>
-          <a:endParaRPr lang="de-DE"/>
-        </a:p>
-      </c:txPr>
-    </c:legend>
-    <c:plotVisOnly val="1"/>
-    <c:dispBlanksAs val="gap"/>
-    <c:showDLblsOverMax val="0"/>
-  </c:chart>
-  <c:spPr>
-    <a:ln>
-      <a:noFill/>
-    </a:ln>
-  </c:spPr>
-  <c:externalData r:id="rId1">
-    <c:autoUpdate val="0"/>
-  </c:externalData>
-</c:chartSpace>
 </file>
 
 <file path=ppt/slideLayouts/slideLayout1.xml><?xml version="1.0" encoding="utf-8"?>
@@ -2580,7 +846,7 @@
             <a:fld id="{B61BEF0D-F0BB-DE4B-95CE-6DB70DBA9567}" type="datetimeFigureOut">
               <a:rPr lang="en-US" dirty="0"/>
               <a:pPr/>
-              <a:t>12/17/2018</a:t>
+              <a:t>12/20/2018</a:t>
             </a:fld>
             <a:endParaRPr lang="en-US" dirty="0"/>
           </a:p>
@@ -2828,7 +1094,7 @@
             <a:fld id="{B61BEF0D-F0BB-DE4B-95CE-6DB70DBA9567}" type="datetimeFigureOut">
               <a:rPr lang="en-US" dirty="0"/>
               <a:pPr/>
-              <a:t>12/17/2018</a:t>
+              <a:t>12/20/2018</a:t>
             </a:fld>
             <a:endParaRPr lang="en-US" dirty="0"/>
           </a:p>
@@ -3139,7 +1405,7 @@
             <a:fld id="{B61BEF0D-F0BB-DE4B-95CE-6DB70DBA9567}" type="datetimeFigureOut">
               <a:rPr lang="en-US" dirty="0"/>
               <a:pPr/>
-              <a:t>12/17/2018</a:t>
+              <a:t>12/20/2018</a:t>
             </a:fld>
             <a:endParaRPr lang="en-US" dirty="0"/>
           </a:p>
@@ -3477,7 +1743,7 @@
             <a:fld id="{B61BEF0D-F0BB-DE4B-95CE-6DB70DBA9567}" type="datetimeFigureOut">
               <a:rPr lang="en-US" dirty="0"/>
               <a:pPr/>
-              <a:t>12/17/2018</a:t>
+              <a:t>12/20/2018</a:t>
             </a:fld>
             <a:endParaRPr lang="en-US" dirty="0"/>
           </a:p>
@@ -3788,7 +2054,7 @@
             <a:fld id="{B61BEF0D-F0BB-DE4B-95CE-6DB70DBA9567}" type="datetimeFigureOut">
               <a:rPr lang="en-US" dirty="0"/>
               <a:pPr/>
-              <a:t>12/17/2018</a:t>
+              <a:t>12/20/2018</a:t>
             </a:fld>
             <a:endParaRPr lang="en-US" dirty="0"/>
           </a:p>
@@ -4178,7 +2444,7 @@
             <a:fld id="{B61BEF0D-F0BB-DE4B-95CE-6DB70DBA9567}" type="datetimeFigureOut">
               <a:rPr lang="en-US" dirty="0"/>
               <a:pPr/>
-              <a:t>12/17/2018</a:t>
+              <a:t>12/20/2018</a:t>
             </a:fld>
             <a:endParaRPr lang="en-US" dirty="0"/>
           </a:p>
@@ -4344,7 +2610,7 @@
           <a:p>
             <a:fld id="{55C6B4A9-1611-4792-9094-5F34BCA07E0B}" type="datetimeFigureOut">
               <a:rPr lang="en-US" dirty="0"/>
-              <a:t>12/17/2018</a:t>
+              <a:t>12/20/2018</a:t>
             </a:fld>
             <a:endParaRPr lang="en-US" dirty="0"/>
           </a:p>
@@ -4520,7 +2786,7 @@
             <a:fld id="{B61BEF0D-F0BB-DE4B-95CE-6DB70DBA9567}" type="datetimeFigureOut">
               <a:rPr lang="en-US" dirty="0"/>
               <a:pPr/>
-              <a:t>12/17/2018</a:t>
+              <a:t>12/20/2018</a:t>
             </a:fld>
             <a:endParaRPr lang="en-US" dirty="0"/>
           </a:p>
@@ -4693,7 +2959,7 @@
             <a:fld id="{B61BEF0D-F0BB-DE4B-95CE-6DB70DBA9567}" type="datetimeFigureOut">
               <a:rPr lang="en-US" dirty="0"/>
               <a:pPr/>
-              <a:t>12/17/2018</a:t>
+              <a:t>12/20/2018</a:t>
             </a:fld>
             <a:endParaRPr lang="en-US" dirty="0"/>
           </a:p>
@@ -4937,7 +3203,7 @@
             <a:fld id="{B61BEF0D-F0BB-DE4B-95CE-6DB70DBA9567}" type="datetimeFigureOut">
               <a:rPr lang="en-US" dirty="0"/>
               <a:pPr/>
-              <a:t>12/17/2018</a:t>
+              <a:t>12/20/2018</a:t>
             </a:fld>
             <a:endParaRPr lang="en-US" dirty="0"/>
           </a:p>
@@ -5165,7 +3431,7 @@
           <a:p>
             <a:fld id="{EB712588-04B1-427B-82EE-E8DB90309F08}" type="datetimeFigureOut">
               <a:rPr lang="en-US" dirty="0"/>
-              <a:t>12/17/2018</a:t>
+              <a:t>12/20/2018</a:t>
             </a:fld>
             <a:endParaRPr lang="en-US" dirty="0"/>
           </a:p>
@@ -5535,7 +3801,7 @@
             <a:fld id="{B61BEF0D-F0BB-DE4B-95CE-6DB70DBA9567}" type="datetimeFigureOut">
               <a:rPr lang="en-US" dirty="0"/>
               <a:pPr/>
-              <a:t>12/17/2018</a:t>
+              <a:t>12/20/2018</a:t>
             </a:fld>
             <a:endParaRPr lang="en-US" dirty="0"/>
           </a:p>
@@ -5655,7 +3921,7 @@
             <a:fld id="{B61BEF0D-F0BB-DE4B-95CE-6DB70DBA9567}" type="datetimeFigureOut">
               <a:rPr lang="en-US" dirty="0"/>
               <a:pPr/>
-              <a:t>12/17/2018</a:t>
+              <a:t>12/20/2018</a:t>
             </a:fld>
             <a:endParaRPr lang="en-US" dirty="0"/>
           </a:p>
@@ -5747,7 +4013,7 @@
             <a:fld id="{B61BEF0D-F0BB-DE4B-95CE-6DB70DBA9567}" type="datetimeFigureOut">
               <a:rPr lang="en-US" dirty="0"/>
               <a:pPr/>
-              <a:t>12/17/2018</a:t>
+              <a:t>12/20/2018</a:t>
             </a:fld>
             <a:endParaRPr lang="en-US" dirty="0"/>
           </a:p>
@@ -5998,7 +4264,7 @@
           <a:p>
             <a:fld id="{42A54C80-263E-416B-A8E0-580EDEADCBDC}" type="datetimeFigureOut">
               <a:rPr lang="en-US" dirty="0"/>
-              <a:t>12/17/2018</a:t>
+              <a:t>12/20/2018</a:t>
             </a:fld>
             <a:endParaRPr lang="en-US" dirty="0"/>
           </a:p>
@@ -6257,7 +4523,7 @@
             <a:fld id="{B61BEF0D-F0BB-DE4B-95CE-6DB70DBA9567}" type="datetimeFigureOut">
               <a:rPr lang="en-US" dirty="0"/>
               <a:pPr/>
-              <a:t>12/17/2018</a:t>
+              <a:t>12/20/2018</a:t>
             </a:fld>
             <a:endParaRPr lang="en-US" dirty="0"/>
           </a:p>
@@ -6997,7 +5263,7 @@
             <a:fld id="{B61BEF0D-F0BB-DE4B-95CE-6DB70DBA9567}" type="datetimeFigureOut">
               <a:rPr lang="en-US" dirty="0"/>
               <a:pPr/>
-              <a:t>12/17/2018</a:t>
+              <a:t>12/20/2018</a:t>
             </a:fld>
             <a:endParaRPr lang="en-US" dirty="0"/>
           </a:p>
@@ -7938,7 +6204,7 @@
           <p:cNvPr id="2" name="Titel 1">
             <a:extLst>
               <a:ext uri="{FF2B5EF4-FFF2-40B4-BE49-F238E27FC236}">
-                <a16:creationId xmlns:a16="http://schemas.microsoft.com/office/drawing/2014/main" id="{B5CF5549-9DF5-46F0-B0D5-E8333E4861ED}"/>
+                <a16:creationId xmlns:a16="http://schemas.microsoft.com/office/drawing/2014/main" id="{888AD2DD-8373-4A54-901B-97B8A6FB4D20}"/>
               </a:ext>
             </a:extLst>
           </p:cNvPr>
@@ -7955,47 +6221,103 @@
           <a:lstStyle/>
           <a:p>
             <a:r>
-              <a:rPr lang="de-AT" dirty="0" err="1"/>
-              <a:t>Results</a:t>
-            </a:r>
-            <a:endParaRPr lang="de-AT" dirty="0"/>
-          </a:p>
-        </p:txBody>
-      </p:sp>
-      <p:graphicFrame>
-        <p:nvGraphicFramePr>
-          <p:cNvPr id="4" name="Diagramm 3">
+              <a:rPr lang="de-DE" dirty="0"/>
+              <a:t>Message Format</a:t>
+            </a:r>
+          </a:p>
+        </p:txBody>
+      </p:sp>
+      <p:sp>
+        <p:nvSpPr>
+          <p:cNvPr id="3" name="Inhaltsplatzhalter 2">
             <a:extLst>
               <a:ext uri="{FF2B5EF4-FFF2-40B4-BE49-F238E27FC236}">
-                <a16:creationId xmlns:a16="http://schemas.microsoft.com/office/drawing/2014/main" id="{823EAE0F-7E81-498D-A0EF-685CD2E9E600}"/>
+                <a16:creationId xmlns:a16="http://schemas.microsoft.com/office/drawing/2014/main" id="{C9F5881F-01D5-4DC0-86E8-9352277E0D7D}"/>
               </a:ext>
             </a:extLst>
           </p:cNvPr>
-          <p:cNvGraphicFramePr>
-            <a:graphicFrameLocks/>
-          </p:cNvGraphicFramePr>
-          <p:nvPr>
-            <p:extLst>
-              <p:ext uri="{D42A27DB-BD31-4B8C-83A1-F6EECF244321}">
-                <p14:modId xmlns:p14="http://schemas.microsoft.com/office/powerpoint/2010/main" val="1903958708"/>
-              </p:ext>
-            </p:extLst>
-          </p:nvPr>
-        </p:nvGraphicFramePr>
-        <p:xfrm>
-          <a:off x="677334" y="1270000"/>
-          <a:ext cx="8098366" cy="4445000"/>
-        </p:xfrm>
-        <a:graphic>
-          <a:graphicData uri="http://schemas.openxmlformats.org/drawingml/2006/chart">
-            <c:chart xmlns:c="http://schemas.openxmlformats.org/drawingml/2006/chart" xmlns:r="http://schemas.openxmlformats.org/officeDocument/2006/relationships" r:id="rId2"/>
-          </a:graphicData>
-        </a:graphic>
-      </p:graphicFrame>
+          <p:cNvSpPr>
+            <a:spLocks noGrp="1"/>
+          </p:cNvSpPr>
+          <p:nvPr>
+            <p:ph idx="1"/>
+          </p:nvPr>
+        </p:nvSpPr>
+        <p:spPr/>
+        <p:txBody>
+          <a:bodyPr/>
+          <a:lstStyle/>
+          <a:p>
+            <a:r>
+              <a:rPr lang="de-DE" dirty="0"/>
+              <a:t>As </a:t>
+            </a:r>
+            <a:r>
+              <a:rPr lang="de-DE" dirty="0" err="1"/>
+              <a:t>important</a:t>
+            </a:r>
+            <a:r>
+              <a:rPr lang="de-DE" dirty="0"/>
+              <a:t> </a:t>
+            </a:r>
+            <a:r>
+              <a:rPr lang="de-DE" dirty="0" err="1"/>
+              <a:t>as</a:t>
+            </a:r>
+            <a:r>
+              <a:rPr lang="de-DE" dirty="0"/>
+              <a:t> </a:t>
+            </a:r>
+            <a:r>
+              <a:rPr lang="de-DE" dirty="0" err="1"/>
+              <a:t>the</a:t>
+            </a:r>
+            <a:r>
+              <a:rPr lang="de-DE" dirty="0"/>
+              <a:t> </a:t>
+            </a:r>
+            <a:r>
+              <a:rPr lang="de-DE" dirty="0" err="1"/>
+              <a:t>choosen</a:t>
+            </a:r>
+            <a:r>
+              <a:rPr lang="de-DE" dirty="0"/>
+              <a:t> </a:t>
+            </a:r>
+            <a:r>
+              <a:rPr lang="de-DE" dirty="0" err="1"/>
+              <a:t>protocol</a:t>
+            </a:r>
+            <a:endParaRPr lang="de-DE" dirty="0"/>
+          </a:p>
+          <a:p>
+            <a:r>
+              <a:rPr lang="de-DE" dirty="0"/>
+              <a:t>XML, JSON, </a:t>
+            </a:r>
+            <a:r>
+              <a:rPr lang="de-DE" dirty="0" err="1"/>
+              <a:t>MessagePack</a:t>
+            </a:r>
+            <a:r>
+              <a:rPr lang="de-DE" dirty="0"/>
+              <a:t>, Binary </a:t>
+            </a:r>
+            <a:r>
+              <a:rPr lang="de-DE" dirty="0" err="1"/>
+              <a:t>compared</a:t>
+            </a:r>
+            <a:endParaRPr lang="de-DE" dirty="0"/>
+          </a:p>
+          <a:p>
+            <a:endParaRPr lang="de-DE" dirty="0"/>
+          </a:p>
+        </p:txBody>
+      </p:sp>
     </p:spTree>
     <p:extLst>
       <p:ext uri="{BB962C8B-B14F-4D97-AF65-F5344CB8AC3E}">
-        <p14:creationId xmlns:p14="http://schemas.microsoft.com/office/powerpoint/2010/main" val="2315877563"/>
+        <p14:creationId xmlns:p14="http://schemas.microsoft.com/office/powerpoint/2010/main" val="2232436889"/>
       </p:ext>
     </p:extLst>
   </p:cSld>
@@ -8027,7 +6349,7 @@
           <p:cNvPr id="2" name="Titel 1">
             <a:extLst>
               <a:ext uri="{FF2B5EF4-FFF2-40B4-BE49-F238E27FC236}">
-                <a16:creationId xmlns:a16="http://schemas.microsoft.com/office/drawing/2014/main" id="{3BF77DD3-C358-4386-A147-DB66F62B549E}"/>
+                <a16:creationId xmlns:a16="http://schemas.microsoft.com/office/drawing/2014/main" id="{D520379B-DB9B-425C-B6EE-020E1649BCA9}"/>
               </a:ext>
             </a:extLst>
           </p:cNvPr>
@@ -8044,88 +6366,267 @@
           <a:lstStyle/>
           <a:p>
             <a:r>
-              <a:rPr lang="de-AT" dirty="0" err="1"/>
+              <a:rPr lang="de-DE" dirty="0" err="1"/>
               <a:t>Results</a:t>
             </a:r>
-            <a:r>
-              <a:rPr lang="de-AT" dirty="0"/>
-              <a:t> </a:t>
-            </a:r>
-            <a:r>
-              <a:rPr lang="de-AT" dirty="0" err="1"/>
-              <a:t>cont</a:t>
-            </a:r>
-            <a:r>
-              <a:rPr lang="de-AT" dirty="0"/>
-              <a:t>.</a:t>
-            </a:r>
-          </a:p>
-        </p:txBody>
-      </p:sp>
-      <p:graphicFrame>
-        <p:nvGraphicFramePr>
-          <p:cNvPr id="4" name="Diagramm 3">
+            <a:endParaRPr lang="de-DE" dirty="0"/>
+          </a:p>
+        </p:txBody>
+      </p:sp>
+      <p:sp>
+        <p:nvSpPr>
+          <p:cNvPr id="3" name="Inhaltsplatzhalter 2">
             <a:extLst>
               <a:ext uri="{FF2B5EF4-FFF2-40B4-BE49-F238E27FC236}">
-                <a16:creationId xmlns:a16="http://schemas.microsoft.com/office/drawing/2014/main" id="{3B7FB734-6F5E-4840-86B3-2ED7820BEABA}"/>
+                <a16:creationId xmlns:a16="http://schemas.microsoft.com/office/drawing/2014/main" id="{237B7FE3-8AB1-4CCF-AB73-C980726E624F}"/>
               </a:ext>
             </a:extLst>
           </p:cNvPr>
-          <p:cNvGraphicFramePr>
-            <a:graphicFrameLocks/>
-          </p:cNvGraphicFramePr>
-          <p:nvPr>
-            <p:extLst>
-              <p:ext uri="{D42A27DB-BD31-4B8C-83A1-F6EECF244321}">
-                <p14:modId xmlns:p14="http://schemas.microsoft.com/office/powerpoint/2010/main" val="805734848"/>
-              </p:ext>
-            </p:extLst>
-          </p:nvPr>
-        </p:nvGraphicFramePr>
-        <p:xfrm>
-          <a:off x="359728" y="3009899"/>
-          <a:ext cx="9025572" cy="3835401"/>
-        </p:xfrm>
-        <a:graphic>
-          <a:graphicData uri="http://schemas.openxmlformats.org/drawingml/2006/chart">
-            <c:chart xmlns:c="http://schemas.openxmlformats.org/drawingml/2006/chart" xmlns:r="http://schemas.openxmlformats.org/officeDocument/2006/relationships" r:id="rId2"/>
-          </a:graphicData>
-        </a:graphic>
-      </p:graphicFrame>
-      <p:graphicFrame>
-        <p:nvGraphicFramePr>
-          <p:cNvPr id="5" name="Diagramm 4">
+          <p:cNvSpPr>
+            <a:spLocks noGrp="1"/>
+          </p:cNvSpPr>
+          <p:nvPr>
+            <p:ph idx="1"/>
+          </p:nvPr>
+        </p:nvSpPr>
+        <p:spPr/>
+        <p:txBody>
+          <a:bodyPr/>
+          <a:lstStyle/>
+          <a:p>
+            <a:r>
+              <a:rPr lang="de-DE" dirty="0"/>
+              <a:t>See Excel</a:t>
+            </a:r>
+          </a:p>
+        </p:txBody>
+      </p:sp>
+    </p:spTree>
+    <p:extLst>
+      <p:ext uri="{BB962C8B-B14F-4D97-AF65-F5344CB8AC3E}">
+        <p14:creationId xmlns:p14="http://schemas.microsoft.com/office/powerpoint/2010/main" val="531614098"/>
+      </p:ext>
+    </p:extLst>
+  </p:cSld>
+  <p:clrMapOvr>
+    <a:masterClrMapping/>
+  </p:clrMapOvr>
+</p:sld>
+</file>
+
+<file path=ppt/slides/slide12.xml><?xml version="1.0" encoding="utf-8"?>
+<p:sld xmlns:a="http://schemas.openxmlformats.org/drawingml/2006/main" xmlns:r="http://schemas.openxmlformats.org/officeDocument/2006/relationships" xmlns:p="http://schemas.openxmlformats.org/presentationml/2006/main">
+  <p:cSld>
+    <p:spTree>
+      <p:nvGrpSpPr>
+        <p:cNvPr id="1" name=""/>
+        <p:cNvGrpSpPr/>
+        <p:nvPr/>
+      </p:nvGrpSpPr>
+      <p:grpSpPr>
+        <a:xfrm>
+          <a:off x="0" y="0"/>
+          <a:ext cx="0" cy="0"/>
+          <a:chOff x="0" y="0"/>
+          <a:chExt cx="0" cy="0"/>
+        </a:xfrm>
+      </p:grpSpPr>
+      <p:sp>
+        <p:nvSpPr>
+          <p:cNvPr id="2" name="Titel 1">
             <a:extLst>
               <a:ext uri="{FF2B5EF4-FFF2-40B4-BE49-F238E27FC236}">
-                <a16:creationId xmlns:a16="http://schemas.microsoft.com/office/drawing/2014/main" id="{1BD7FA83-B60A-4840-94C0-6929BCBD7B87}"/>
+                <a16:creationId xmlns:a16="http://schemas.microsoft.com/office/drawing/2014/main" id="{8994569E-3F26-4E84-88AE-12E5C6B5D12B}"/>
               </a:ext>
             </a:extLst>
           </p:cNvPr>
-          <p:cNvGraphicFramePr>
-            <a:graphicFrameLocks/>
-          </p:cNvGraphicFramePr>
-          <p:nvPr>
-            <p:extLst>
-              <p:ext uri="{D42A27DB-BD31-4B8C-83A1-F6EECF244321}">
-                <p14:modId xmlns:p14="http://schemas.microsoft.com/office/powerpoint/2010/main" val="1298378981"/>
-              </p:ext>
-            </p:extLst>
-          </p:nvPr>
-        </p:nvGraphicFramePr>
-        <p:xfrm>
-          <a:off x="4772415" y="142146"/>
-          <a:ext cx="4501587" cy="3007454"/>
-        </p:xfrm>
-        <a:graphic>
-          <a:graphicData uri="http://schemas.openxmlformats.org/drawingml/2006/chart">
-            <c:chart xmlns:c="http://schemas.openxmlformats.org/drawingml/2006/chart" xmlns:r="http://schemas.openxmlformats.org/officeDocument/2006/relationships" r:id="rId3"/>
-          </a:graphicData>
-        </a:graphic>
-      </p:graphicFrame>
+          <p:cNvSpPr>
+            <a:spLocks noGrp="1"/>
+          </p:cNvSpPr>
+          <p:nvPr>
+            <p:ph type="title"/>
+          </p:nvPr>
+        </p:nvSpPr>
+        <p:spPr/>
+        <p:txBody>
+          <a:bodyPr/>
+          <a:lstStyle/>
+          <a:p>
+            <a:r>
+              <a:rPr lang="de-DE" dirty="0"/>
+              <a:t>Next </a:t>
+            </a:r>
+            <a:r>
+              <a:rPr lang="de-DE" dirty="0" err="1"/>
+              <a:t>Steps</a:t>
+            </a:r>
+            <a:endParaRPr lang="de-DE" dirty="0"/>
+          </a:p>
+        </p:txBody>
+      </p:sp>
+      <p:sp>
+        <p:nvSpPr>
+          <p:cNvPr id="3" name="Inhaltsplatzhalter 2">
+            <a:extLst>
+              <a:ext uri="{FF2B5EF4-FFF2-40B4-BE49-F238E27FC236}">
+                <a16:creationId xmlns:a16="http://schemas.microsoft.com/office/drawing/2014/main" id="{F63DF46B-FBB7-476C-B2BF-5C96DD54B299}"/>
+              </a:ext>
+            </a:extLst>
+          </p:cNvPr>
+          <p:cNvSpPr>
+            <a:spLocks noGrp="1"/>
+          </p:cNvSpPr>
+          <p:nvPr>
+            <p:ph idx="1"/>
+          </p:nvPr>
+        </p:nvSpPr>
+        <p:spPr/>
+        <p:txBody>
+          <a:bodyPr/>
+          <a:lstStyle/>
+          <a:p>
+            <a:r>
+              <a:rPr lang="de-DE" dirty="0"/>
+              <a:t>3 </a:t>
+            </a:r>
+            <a:r>
+              <a:rPr lang="de-DE" dirty="0" err="1"/>
+              <a:t>weeks</a:t>
+            </a:r>
+            <a:r>
+              <a:rPr lang="de-DE" dirty="0"/>
+              <a:t> break (</a:t>
+            </a:r>
+            <a:r>
+              <a:rPr lang="de-DE" dirty="0" err="1"/>
+              <a:t>paper</a:t>
+            </a:r>
+            <a:r>
+              <a:rPr lang="de-DE" dirty="0"/>
+              <a:t>: </a:t>
+            </a:r>
+            <a:r>
+              <a:rPr lang="de-DE" dirty="0" err="1"/>
+              <a:t>compare</a:t>
+            </a:r>
+            <a:r>
+              <a:rPr lang="de-DE" dirty="0"/>
+              <a:t> </a:t>
+            </a:r>
+            <a:r>
+              <a:rPr lang="de-DE" dirty="0" err="1"/>
+              <a:t>IoT</a:t>
+            </a:r>
+            <a:r>
+              <a:rPr lang="de-DE" dirty="0"/>
+              <a:t> </a:t>
+            </a:r>
+            <a:r>
+              <a:rPr lang="de-DE" dirty="0" err="1"/>
+              <a:t>Protocols</a:t>
+            </a:r>
+            <a:r>
+              <a:rPr lang="de-DE" dirty="0"/>
+              <a:t>, </a:t>
+            </a:r>
+            <a:r>
+              <a:rPr lang="de-DE" dirty="0" err="1"/>
+              <a:t>or</a:t>
+            </a:r>
+            <a:r>
+              <a:rPr lang="de-DE" dirty="0"/>
+              <a:t> </a:t>
+            </a:r>
+            <a:r>
+              <a:rPr lang="de-DE" dirty="0" err="1"/>
+              <a:t>documentation</a:t>
+            </a:r>
+            <a:r>
+              <a:rPr lang="de-DE" dirty="0"/>
+              <a:t>)</a:t>
+            </a:r>
+          </a:p>
+          <a:p>
+            <a:r>
+              <a:rPr lang="de-DE" dirty="0"/>
+              <a:t>Short </a:t>
+            </a:r>
+            <a:r>
+              <a:rPr lang="de-DE" dirty="0" err="1"/>
+              <a:t>analyze</a:t>
+            </a:r>
+            <a:r>
+              <a:rPr lang="de-DE" dirty="0"/>
+              <a:t> </a:t>
+            </a:r>
+            <a:r>
+              <a:rPr lang="de-DE" dirty="0" err="1"/>
+              <a:t>of</a:t>
+            </a:r>
+            <a:r>
+              <a:rPr lang="de-DE" dirty="0"/>
+              <a:t> Python, C/C++, Java</a:t>
+            </a:r>
+          </a:p>
+          <a:p>
+            <a:r>
+              <a:rPr lang="de-DE" dirty="0" err="1"/>
+              <a:t>Choose</a:t>
+            </a:r>
+            <a:r>
+              <a:rPr lang="de-DE" dirty="0"/>
+              <a:t> 2-3 </a:t>
+            </a:r>
+            <a:r>
+              <a:rPr lang="de-DE" dirty="0" err="1"/>
+              <a:t>protocols</a:t>
+            </a:r>
+            <a:endParaRPr lang="de-DE" dirty="0"/>
+          </a:p>
+          <a:p>
+            <a:r>
+              <a:rPr lang="de-DE" dirty="0"/>
+              <a:t>Concept </a:t>
+            </a:r>
+            <a:r>
+              <a:rPr lang="de-DE" dirty="0" err="1"/>
+              <a:t>mass</a:t>
+            </a:r>
+            <a:r>
+              <a:rPr lang="de-DE" dirty="0"/>
+              <a:t> </a:t>
+            </a:r>
+            <a:r>
+              <a:rPr lang="de-DE" dirty="0" err="1"/>
+              <a:t>test</a:t>
+            </a:r>
+            <a:endParaRPr lang="de-DE" dirty="0"/>
+          </a:p>
+          <a:p>
+            <a:r>
+              <a:rPr lang="de-DE" dirty="0"/>
+              <a:t>Building </a:t>
+            </a:r>
+            <a:r>
+              <a:rPr lang="de-DE" dirty="0" err="1"/>
+              <a:t>test</a:t>
+            </a:r>
+            <a:r>
+              <a:rPr lang="de-DE" dirty="0"/>
+              <a:t> </a:t>
+            </a:r>
+            <a:r>
+              <a:rPr lang="de-DE" dirty="0" err="1"/>
+              <a:t>tool</a:t>
+            </a:r>
+            <a:endParaRPr lang="de-DE" dirty="0"/>
+          </a:p>
+        </p:txBody>
+      </p:sp>
     </p:spTree>
     <p:extLst>
       <p:ext uri="{BB962C8B-B14F-4D97-AF65-F5344CB8AC3E}">
-        <p14:creationId xmlns:p14="http://schemas.microsoft.com/office/powerpoint/2010/main" val="2607161121"/>
+        <p14:creationId xmlns:p14="http://schemas.microsoft.com/office/powerpoint/2010/main" val="2759003780"/>
       </p:ext>
     </p:extLst>
   </p:cSld>
@@ -8476,7 +6977,7 @@
             </a:r>
             <a:r>
               <a:rPr lang="de-AT" dirty="0"/>
-              <a:t>)</a:t>
+              <a:t>, Sockets)</a:t>
             </a:r>
           </a:p>
           <a:p>
@@ -8513,20 +7014,6 @@
               <a:t>payload</a:t>
             </a:r>
             <a:endParaRPr lang="de-AT" dirty="0"/>
-          </a:p>
-          <a:p>
-            <a:pPr lvl="1"/>
-            <a:r>
-              <a:rPr lang="pt-BR" dirty="0"/>
-              <a:t>Plain (~140 byte): {\n"ts": 1542384113143,\n"tsi": 456,\n"id": "234234958475",\n"temp1": 20.5,\n"temp2": 25.3,\n"accelx": 3.4,\n"accely": 3.4,\n"accelz": 3.4\n} </a:t>
-            </a:r>
-          </a:p>
-          <a:p>
-            <a:pPr lvl="1"/>
-            <a:r>
-              <a:rPr lang="pt-BR" dirty="0"/>
-              <a:t>Binary (38 byte): 2 long (8 byte), 1 short (2 byte), 5 float (4 byte)</a:t>
-            </a:r>
           </a:p>
         </p:txBody>
       </p:sp>
@@ -9595,11 +8082,11 @@
             </a:r>
             <a:r>
               <a:rPr lang="de-AT" dirty="0"/>
-              <a:t> / </a:t>
-            </a:r>
-            <a:r>
-              <a:rPr lang="de-AT" dirty="0" err="1"/>
-              <a:t>humanreadable</a:t>
+              <a:t> / human </a:t>
+            </a:r>
+            <a:r>
+              <a:rPr lang="de-AT" dirty="0" err="1"/>
+              <a:t>readable</a:t>
             </a:r>
             <a:endParaRPr lang="de-AT" dirty="0"/>
           </a:p>
@@ -10006,6 +8493,33 @@
               <a:rPr lang="de-AT" dirty="0"/>
               <a:t>)</a:t>
             </a:r>
+          </a:p>
+          <a:p>
+            <a:r>
+              <a:rPr lang="de-AT" dirty="0"/>
+              <a:t>Eventual </a:t>
+            </a:r>
+            <a:r>
+              <a:rPr lang="de-AT" dirty="0" err="1"/>
+              <a:t>problem</a:t>
+            </a:r>
+            <a:r>
+              <a:rPr lang="de-AT" dirty="0"/>
+              <a:t> </a:t>
+            </a:r>
+            <a:r>
+              <a:rPr lang="de-AT" dirty="0" err="1"/>
+              <a:t>with</a:t>
+            </a:r>
+            <a:r>
+              <a:rPr lang="de-AT" dirty="0"/>
+              <a:t> </a:t>
+            </a:r>
+            <a:r>
+              <a:rPr lang="de-AT" dirty="0" err="1"/>
+              <a:t>routers</a:t>
+            </a:r>
+            <a:endParaRPr lang="de-AT" dirty="0"/>
           </a:p>
           <a:p>
             <a:endParaRPr lang="de-AT" dirty="0"/>
